--- a/doc/source/_static/gui_figures/gui_run_model_page_elements.pptx
+++ b/doc/source/_static/gui_figures/gui_run_model_page_elements.pptx
@@ -117,12 +117,12 @@
   <pc:docChgLst>
     <pc:chgData name="Cherry, Jeff" userId="bc2fff79-ad10-4e5d-b198-ef47fe6ba931" providerId="ADAL" clId="{C8C54D71-B882-427F-B583-C2A935536A45}"/>
     <pc:docChg chg="custSel modSld">
-      <pc:chgData name="Cherry, Jeff" userId="bc2fff79-ad10-4e5d-b198-ef47fe6ba931" providerId="ADAL" clId="{C8C54D71-B882-427F-B583-C2A935536A45}" dt="2021-09-30T13:29:11.024" v="21" actId="20577"/>
+      <pc:chgData name="Cherry, Jeff" userId="bc2fff79-ad10-4e5d-b198-ef47fe6ba931" providerId="ADAL" clId="{C8C54D71-B882-427F-B583-C2A935536A45}" dt="2021-10-07T14:55:39.114" v="29" actId="14100"/>
       <pc:docMkLst>
         <pc:docMk/>
       </pc:docMkLst>
       <pc:sldChg chg="addSp delSp modSp mod">
-        <pc:chgData name="Cherry, Jeff" userId="bc2fff79-ad10-4e5d-b198-ef47fe6ba931" providerId="ADAL" clId="{C8C54D71-B882-427F-B583-C2A935536A45}" dt="2021-09-30T13:29:11.024" v="21" actId="20577"/>
+        <pc:chgData name="Cherry, Jeff" userId="bc2fff79-ad10-4e5d-b198-ef47fe6ba931" providerId="ADAL" clId="{C8C54D71-B882-427F-B583-C2A935536A45}" dt="2021-10-07T14:55:39.114" v="29" actId="14100"/>
         <pc:sldMkLst>
           <pc:docMk/>
           <pc:sldMk cId="2934884275" sldId="256"/>
@@ -176,7 +176,7 @@
           </ac:spMkLst>
         </pc:spChg>
         <pc:spChg chg="mod">
-          <ac:chgData name="Cherry, Jeff" userId="bc2fff79-ad10-4e5d-b198-ef47fe6ba931" providerId="ADAL" clId="{C8C54D71-B882-427F-B583-C2A935536A45}" dt="2021-09-30T13:26:56.639" v="14" actId="1076"/>
+          <ac:chgData name="Cherry, Jeff" userId="bc2fff79-ad10-4e5d-b198-ef47fe6ba931" providerId="ADAL" clId="{C8C54D71-B882-427F-B583-C2A935536A45}" dt="2021-10-07T14:55:39.114" v="29" actId="14100"/>
           <ac:spMkLst>
             <pc:docMk/>
             <pc:sldMk cId="2934884275" sldId="256"/>
@@ -199,8 +199,8 @@
             <ac:spMk id="23" creationId="{2E497E44-B800-4CB4-9FC4-0A91274AB01B}"/>
           </ac:spMkLst>
         </pc:spChg>
-        <pc:picChg chg="add mod ord">
-          <ac:chgData name="Cherry, Jeff" userId="bc2fff79-ad10-4e5d-b198-ef47fe6ba931" providerId="ADAL" clId="{C8C54D71-B882-427F-B583-C2A935536A45}" dt="2021-09-30T13:18:45.882" v="6" actId="167"/>
+        <pc:picChg chg="add del mod ord">
+          <ac:chgData name="Cherry, Jeff" userId="bc2fff79-ad10-4e5d-b198-ef47fe6ba931" providerId="ADAL" clId="{C8C54D71-B882-427F-B583-C2A935536A45}" dt="2021-10-07T14:53:45.944" v="22" actId="478"/>
           <ac:picMkLst>
             <pc:docMk/>
             <pc:sldMk cId="2934884275" sldId="256"/>
@@ -213,6 +213,14 @@
             <pc:docMk/>
             <pc:sldMk cId="2934884275" sldId="256"/>
             <ac:picMk id="5" creationId="{1A368B6A-2821-4405-A463-AD7BD3404935}"/>
+          </ac:picMkLst>
+        </pc:picChg>
+        <pc:picChg chg="add mod">
+          <ac:chgData name="Cherry, Jeff" userId="bc2fff79-ad10-4e5d-b198-ef47fe6ba931" providerId="ADAL" clId="{C8C54D71-B882-427F-B583-C2A935536A45}" dt="2021-10-07T14:54:16.330" v="24" actId="167"/>
+          <ac:picMkLst>
+            <pc:docMk/>
+            <pc:sldMk cId="2934884275" sldId="256"/>
+            <ac:picMk id="1026" creationId="{C33B4C2C-6A0D-484D-A82B-91A673FEF00A}"/>
           </ac:picMkLst>
         </pc:picChg>
       </pc:sldChg>
@@ -368,7 +376,7 @@
           <a:p>
             <a:fld id="{E628AEBD-662D-4C3B-822F-3921CB4D2988}" type="datetimeFigureOut">
               <a:rPr lang="en-US" smtClean="0"/>
-              <a:t>9/30/2021</a:t>
+              <a:t>10/7/2021</a:t>
             </a:fld>
             <a:endParaRPr lang="en-US"/>
           </a:p>
@@ -566,7 +574,7 @@
           <a:p>
             <a:fld id="{E628AEBD-662D-4C3B-822F-3921CB4D2988}" type="datetimeFigureOut">
               <a:rPr lang="en-US" smtClean="0"/>
-              <a:t>9/30/2021</a:t>
+              <a:t>10/7/2021</a:t>
             </a:fld>
             <a:endParaRPr lang="en-US"/>
           </a:p>
@@ -774,7 +782,7 @@
           <a:p>
             <a:fld id="{E628AEBD-662D-4C3B-822F-3921CB4D2988}" type="datetimeFigureOut">
               <a:rPr lang="en-US" smtClean="0"/>
-              <a:t>9/30/2021</a:t>
+              <a:t>10/7/2021</a:t>
             </a:fld>
             <a:endParaRPr lang="en-US"/>
           </a:p>
@@ -972,7 +980,7 @@
           <a:p>
             <a:fld id="{E628AEBD-662D-4C3B-822F-3921CB4D2988}" type="datetimeFigureOut">
               <a:rPr lang="en-US" smtClean="0"/>
-              <a:t>9/30/2021</a:t>
+              <a:t>10/7/2021</a:t>
             </a:fld>
             <a:endParaRPr lang="en-US"/>
           </a:p>
@@ -1247,7 +1255,7 @@
           <a:p>
             <a:fld id="{E628AEBD-662D-4C3B-822F-3921CB4D2988}" type="datetimeFigureOut">
               <a:rPr lang="en-US" smtClean="0"/>
-              <a:t>9/30/2021</a:t>
+              <a:t>10/7/2021</a:t>
             </a:fld>
             <a:endParaRPr lang="en-US"/>
           </a:p>
@@ -1512,7 +1520,7 @@
           <a:p>
             <a:fld id="{E628AEBD-662D-4C3B-822F-3921CB4D2988}" type="datetimeFigureOut">
               <a:rPr lang="en-US" smtClean="0"/>
-              <a:t>9/30/2021</a:t>
+              <a:t>10/7/2021</a:t>
             </a:fld>
             <a:endParaRPr lang="en-US"/>
           </a:p>
@@ -1924,7 +1932,7 @@
           <a:p>
             <a:fld id="{E628AEBD-662D-4C3B-822F-3921CB4D2988}" type="datetimeFigureOut">
               <a:rPr lang="en-US" smtClean="0"/>
-              <a:t>9/30/2021</a:t>
+              <a:t>10/7/2021</a:t>
             </a:fld>
             <a:endParaRPr lang="en-US"/>
           </a:p>
@@ -2065,7 +2073,7 @@
           <a:p>
             <a:fld id="{E628AEBD-662D-4C3B-822F-3921CB4D2988}" type="datetimeFigureOut">
               <a:rPr lang="en-US" smtClean="0"/>
-              <a:t>9/30/2021</a:t>
+              <a:t>10/7/2021</a:t>
             </a:fld>
             <a:endParaRPr lang="en-US"/>
           </a:p>
@@ -2178,7 +2186,7 @@
           <a:p>
             <a:fld id="{E628AEBD-662D-4C3B-822F-3921CB4D2988}" type="datetimeFigureOut">
               <a:rPr lang="en-US" smtClean="0"/>
-              <a:t>9/30/2021</a:t>
+              <a:t>10/7/2021</a:t>
             </a:fld>
             <a:endParaRPr lang="en-US"/>
           </a:p>
@@ -2489,7 +2497,7 @@
           <a:p>
             <a:fld id="{E628AEBD-662D-4C3B-822F-3921CB4D2988}" type="datetimeFigureOut">
               <a:rPr lang="en-US" smtClean="0"/>
-              <a:t>9/30/2021</a:t>
+              <a:t>10/7/2021</a:t>
             </a:fld>
             <a:endParaRPr lang="en-US"/>
           </a:p>
@@ -2777,7 +2785,7 @@
           <a:p>
             <a:fld id="{E628AEBD-662D-4C3B-822F-3921CB4D2988}" type="datetimeFigureOut">
               <a:rPr lang="en-US" smtClean="0"/>
-              <a:t>9/30/2021</a:t>
+              <a:t>10/7/2021</a:t>
             </a:fld>
             <a:endParaRPr lang="en-US"/>
           </a:p>
@@ -3018,7 +3026,7 @@
           <a:p>
             <a:fld id="{E628AEBD-662D-4C3B-822F-3921CB4D2988}" type="datetimeFigureOut">
               <a:rPr lang="en-US" smtClean="0"/>
-              <a:t>9/30/2021</a:t>
+              <a:t>10/7/2021</a:t>
             </a:fld>
             <a:endParaRPr lang="en-US"/>
           </a:p>
@@ -3437,15 +3445,15 @@
       </p:grpSpPr>
       <p:pic>
         <p:nvPicPr>
-          <p:cNvPr id="3" name="Picture 2" descr="Graphical user interface, application, website&#10;&#10;Description automatically generated">
-            <a:extLst>
-              <a:ext uri="{FF2B5EF4-FFF2-40B4-BE49-F238E27FC236}">
-                <a16:creationId xmlns:a16="http://schemas.microsoft.com/office/drawing/2014/main" id="{CE47C589-3619-4033-B135-20E8E2624AFB}"/>
+          <p:cNvPr id="1026" name="Picture 2">
+            <a:extLst>
+              <a:ext uri="{FF2B5EF4-FFF2-40B4-BE49-F238E27FC236}">
+                <a16:creationId xmlns:a16="http://schemas.microsoft.com/office/drawing/2014/main" id="{C33B4C2C-6A0D-484D-A82B-91A673FEF00A}"/>
               </a:ext>
             </a:extLst>
           </p:cNvPr>
           <p:cNvPicPr>
-            <a:picLocks noChangeAspect="1"/>
+            <a:picLocks noChangeAspect="1" noChangeArrowheads="1"/>
           </p:cNvPicPr>
           <p:nvPr/>
         </p:nvPicPr>
@@ -3457,18 +3465,29 @@
               </a:ext>
             </a:extLst>
           </a:blip>
+          <a:srcRect/>
           <a:stretch>
             <a:fillRect/>
           </a:stretch>
         </p:blipFill>
-        <p:spPr>
+        <p:spPr bwMode="auto">
           <a:xfrm>
-            <a:off x="1458962" y="0"/>
-            <a:ext cx="9274076" cy="6858000"/>
+            <a:off x="1433513" y="0"/>
+            <a:ext cx="9323387" cy="6858000"/>
           </a:xfrm>
           <a:prstGeom prst="rect">
             <a:avLst/>
           </a:prstGeom>
+          <a:noFill/>
+          <a:extLst>
+            <a:ext uri="{909E8E84-426E-40DD-AFC4-6F175D3DCCD1}">
+              <a14:hiddenFill xmlns:a14="http://schemas.microsoft.com/office/drawing/2010/main">
+                <a:solidFill>
+                  <a:srgbClr val="FFFFFF"/>
+                </a:solidFill>
+              </a14:hiddenFill>
+            </a:ext>
+          </a:extLst>
         </p:spPr>
       </p:pic>
       <p:sp>
@@ -3705,13 +3724,13 @@
         </p:nvSpPr>
         <p:spPr>
           <a:xfrm>
-            <a:off x="6024997" y="3037794"/>
+            <a:off x="3266376" y="3546870"/>
             <a:ext cx="658982" cy="391206"/>
           </a:xfrm>
           <a:prstGeom prst="wedgeEllipseCallout">
             <a:avLst>
-              <a:gd name="adj1" fmla="val 107972"/>
-              <a:gd name="adj2" fmla="val 40975"/>
+              <a:gd name="adj1" fmla="val -229816"/>
+              <a:gd name="adj2" fmla="val 78751"/>
             </a:avLst>
           </a:prstGeom>
           <a:solidFill>
@@ -4110,20 +4129,47 @@
 </file>
 
 <file path=customXml/item1.xml><?xml version="1.0" encoding="utf-8"?>
-<?mso-contentType ?>
-<FormTemplates xmlns="http://schemas.microsoft.com/sharepoint/v3/contenttype/forms">
-  <Display>DocumentLibraryForm</Display>
-  <Edit>DocumentLibraryForm</Edit>
-  <New>DocumentLibraryForm</New>
-</FormTemplates>
+<p:properties xmlns:p="http://schemas.microsoft.com/office/2006/metadata/properties" xmlns:xsi="http://www.w3.org/2001/XMLSchema-instance" xmlns:pc="http://schemas.microsoft.com/office/infopath/2007/PartnerControls">
+  <documentManagement>
+    <_Source xmlns="http://schemas.microsoft.com/sharepoint/v3/fields" xsi:nil="true"/>
+    <Language xmlns="http://schemas.microsoft.com/sharepoint/v3">English</Language>
+    <j747ac98061d40f0aa7bd47e1db5675d xmlns="4ffa91fb-a0ff-4ac5-b2db-65c790d184a4">
+      <Terms xmlns="http://schemas.microsoft.com/office/infopath/2007/PartnerControls"/>
+    </j747ac98061d40f0aa7bd47e1db5675d>
+    <External_x0020_Contributor xmlns="4ffa91fb-a0ff-4ac5-b2db-65c790d184a4" xsi:nil="true"/>
+    <TaxKeywordTaxHTField xmlns="4ffa91fb-a0ff-4ac5-b2db-65c790d184a4">
+      <Terms xmlns="http://schemas.microsoft.com/office/infopath/2007/PartnerControls"/>
+    </TaxKeywordTaxHTField>
+    <Records_x0020_Status xmlns="ec061f95-30ec-4d0d-8ad6-dd1b804a05b6">Pending</Records_x0020_Status>
+    <Record xmlns="4ffa91fb-a0ff-4ac5-b2db-65c790d184a4">Shared</Record>
+    <Rights xmlns="4ffa91fb-a0ff-4ac5-b2db-65c790d184a4" xsi:nil="true"/>
+    <Document_x0020_Creation_x0020_Date xmlns="4ffa91fb-a0ff-4ac5-b2db-65c790d184a4">2020-12-29T15:11:19+00:00</Document_x0020_Creation_x0020_Date>
+    <EPA_x0020_Office xmlns="4ffa91fb-a0ff-4ac5-b2db-65c790d184a4" xsi:nil="true"/>
+    <CategoryDescription xmlns="http://schemas.microsoft.com/sharepoint.v3" xsi:nil="true"/>
+    <Identifier xmlns="4ffa91fb-a0ff-4ac5-b2db-65c790d184a4" xsi:nil="true"/>
+    <_Coverage xmlns="http://schemas.microsoft.com/sharepoint/v3/fields" xsi:nil="true"/>
+    <Creator xmlns="4ffa91fb-a0ff-4ac5-b2db-65c790d184a4">
+      <UserInfo>
+        <DisplayName/>
+        <AccountId xsi:nil="true"/>
+        <AccountType/>
+      </UserInfo>
+    </Creator>
+    <EPA_x0020_Related_x0020_Documents xmlns="4ffa91fb-a0ff-4ac5-b2db-65c790d184a4" xsi:nil="true"/>
+    <Records_x0020_Date xmlns="ec061f95-30ec-4d0d-8ad6-dd1b804a05b6" xsi:nil="true"/>
+    <EPA_x0020_Contributor xmlns="4ffa91fb-a0ff-4ac5-b2db-65c790d184a4">
+      <UserInfo>
+        <DisplayName/>
+        <AccountId xsi:nil="true"/>
+        <AccountType/>
+      </UserInfo>
+    </EPA_x0020_Contributor>
+    <TaxCatchAll xmlns="4ffa91fb-a0ff-4ac5-b2db-65c790d184a4"/>
+  </documentManagement>
+</p:properties>
 </file>
 
 <file path=customXml/item2.xml><?xml version="1.0" encoding="utf-8"?>
-<?mso-contentType ?>
-<SharedContentType xmlns="Microsoft.SharePoint.Taxonomy.ContentTypeSync" SourceId="29f62856-1543-49d4-a736-4569d363f533" ContentTypeId="0x0101" PreviousValue="false"/>
-</file>
-
-<file path=customXml/item3.xml><?xml version="1.0" encoding="utf-8"?>
 <ct:contentTypeSchema xmlns:ct="http://schemas.microsoft.com/office/2006/metadata/contentType" xmlns:ma="http://schemas.microsoft.com/office/2006/metadata/properties/metaAttributes" ct:_="" ma:_="" ma:contentTypeName="Document" ma:contentTypeID="0x010100236F3575DF470B419B4DB442F40CDE7D" ma:contentTypeVersion="34" ma:contentTypeDescription="Create a new document." ma:contentTypeScope="" ma:versionID="ae201bdba98d726bd807d2fe594a89ed">
   <xsd:schema xmlns:xsd="http://www.w3.org/2001/XMLSchema" xmlns:xs="http://www.w3.org/2001/XMLSchema" xmlns:p="http://schemas.microsoft.com/office/2006/metadata/properties" xmlns:ns1="http://schemas.microsoft.com/sharepoint/v3" xmlns:ns3="4ffa91fb-a0ff-4ac5-b2db-65c790d184a4" xmlns:ns4="http://schemas.microsoft.com/sharepoint.v3" xmlns:ns5="http://schemas.microsoft.com/sharepoint/v3/fields" xmlns:ns6="ec061f95-30ec-4d0d-8ad6-dd1b804a05b6" xmlns:ns7="91e00635-787f-483b-bfc8-b255474b55dc" targetNamespace="http://schemas.microsoft.com/office/2006/metadata/properties" ma:root="true" ma:fieldsID="1317da7de9d983948048aa92f0de793e" ns1:_="" ns3:_="" ns4:_="" ns5:_="" ns6:_="" ns7:_="">
     <xsd:import namespace="http://schemas.microsoft.com/sharepoint/v3"/>
@@ -4572,64 +4618,35 @@
 </ct:contentTypeSchema>
 </file>
 
+<file path=customXml/item3.xml><?xml version="1.0" encoding="utf-8"?>
+<?mso-contentType ?>
+<SharedContentType xmlns="Microsoft.SharePoint.Taxonomy.ContentTypeSync" SourceId="29f62856-1543-49d4-a736-4569d363f533" ContentTypeId="0x0101" PreviousValue="false"/>
+</file>
+
 <file path=customXml/item4.xml><?xml version="1.0" encoding="utf-8"?>
-<p:properties xmlns:p="http://schemas.microsoft.com/office/2006/metadata/properties" xmlns:xsi="http://www.w3.org/2001/XMLSchema-instance" xmlns:pc="http://schemas.microsoft.com/office/infopath/2007/PartnerControls">
-  <documentManagement>
-    <_Source xmlns="http://schemas.microsoft.com/sharepoint/v3/fields" xsi:nil="true"/>
-    <Language xmlns="http://schemas.microsoft.com/sharepoint/v3">English</Language>
-    <j747ac98061d40f0aa7bd47e1db5675d xmlns="4ffa91fb-a0ff-4ac5-b2db-65c790d184a4">
-      <Terms xmlns="http://schemas.microsoft.com/office/infopath/2007/PartnerControls"/>
-    </j747ac98061d40f0aa7bd47e1db5675d>
-    <External_x0020_Contributor xmlns="4ffa91fb-a0ff-4ac5-b2db-65c790d184a4" xsi:nil="true"/>
-    <TaxKeywordTaxHTField xmlns="4ffa91fb-a0ff-4ac5-b2db-65c790d184a4">
-      <Terms xmlns="http://schemas.microsoft.com/office/infopath/2007/PartnerControls"/>
-    </TaxKeywordTaxHTField>
-    <Records_x0020_Status xmlns="ec061f95-30ec-4d0d-8ad6-dd1b804a05b6">Pending</Records_x0020_Status>
-    <Record xmlns="4ffa91fb-a0ff-4ac5-b2db-65c790d184a4">Shared</Record>
-    <Rights xmlns="4ffa91fb-a0ff-4ac5-b2db-65c790d184a4" xsi:nil="true"/>
-    <Document_x0020_Creation_x0020_Date xmlns="4ffa91fb-a0ff-4ac5-b2db-65c790d184a4">2020-12-29T15:11:19+00:00</Document_x0020_Creation_x0020_Date>
-    <EPA_x0020_Office xmlns="4ffa91fb-a0ff-4ac5-b2db-65c790d184a4" xsi:nil="true"/>
-    <CategoryDescription xmlns="http://schemas.microsoft.com/sharepoint.v3" xsi:nil="true"/>
-    <Identifier xmlns="4ffa91fb-a0ff-4ac5-b2db-65c790d184a4" xsi:nil="true"/>
-    <_Coverage xmlns="http://schemas.microsoft.com/sharepoint/v3/fields" xsi:nil="true"/>
-    <Creator xmlns="4ffa91fb-a0ff-4ac5-b2db-65c790d184a4">
-      <UserInfo>
-        <DisplayName/>
-        <AccountId xsi:nil="true"/>
-        <AccountType/>
-      </UserInfo>
-    </Creator>
-    <EPA_x0020_Related_x0020_Documents xmlns="4ffa91fb-a0ff-4ac5-b2db-65c790d184a4" xsi:nil="true"/>
-    <Records_x0020_Date xmlns="ec061f95-30ec-4d0d-8ad6-dd1b804a05b6" xsi:nil="true"/>
-    <EPA_x0020_Contributor xmlns="4ffa91fb-a0ff-4ac5-b2db-65c790d184a4">
-      <UserInfo>
-        <DisplayName/>
-        <AccountId xsi:nil="true"/>
-        <AccountType/>
-      </UserInfo>
-    </EPA_x0020_Contributor>
-    <TaxCatchAll xmlns="4ffa91fb-a0ff-4ac5-b2db-65c790d184a4"/>
-  </documentManagement>
-</p:properties>
+<?mso-contentType ?>
+<FormTemplates xmlns="http://schemas.microsoft.com/sharepoint/v3/contenttype/forms">
+  <Display>DocumentLibraryForm</Display>
+  <Edit>DocumentLibraryForm</Edit>
+  <New>DocumentLibraryForm</New>
+</FormTemplates>
 </file>
 
 <file path=customXml/itemProps1.xml><?xml version="1.0" encoding="utf-8"?>
-<ds:datastoreItem xmlns:ds="http://schemas.openxmlformats.org/officeDocument/2006/customXml" ds:itemID="{731D67C3-C52A-4209-9F5F-95FA0FA59B3D}">
+<ds:datastoreItem xmlns:ds="http://schemas.openxmlformats.org/officeDocument/2006/customXml" ds:itemID="{B2F5B826-42C8-4685-88CC-06855AFB5F07}">
   <ds:schemaRefs>
-    <ds:schemaRef ds:uri="http://schemas.microsoft.com/sharepoint/v3/contenttype/forms"/>
+    <ds:schemaRef ds:uri="http://schemas.microsoft.com/office/2006/metadata/properties"/>
+    <ds:schemaRef ds:uri="http://schemas.microsoft.com/office/infopath/2007/PartnerControls"/>
+    <ds:schemaRef ds:uri="http://schemas.microsoft.com/sharepoint/v3/fields"/>
+    <ds:schemaRef ds:uri="http://schemas.microsoft.com/sharepoint/v3"/>
+    <ds:schemaRef ds:uri="4ffa91fb-a0ff-4ac5-b2db-65c790d184a4"/>
+    <ds:schemaRef ds:uri="ec061f95-30ec-4d0d-8ad6-dd1b804a05b6"/>
+    <ds:schemaRef ds:uri="http://schemas.microsoft.com/sharepoint.v3"/>
   </ds:schemaRefs>
 </ds:datastoreItem>
 </file>
 
 <file path=customXml/itemProps2.xml><?xml version="1.0" encoding="utf-8"?>
-<ds:datastoreItem xmlns:ds="http://schemas.openxmlformats.org/officeDocument/2006/customXml" ds:itemID="{ED1772FC-240F-499D-9571-C5D55FD39FC1}">
-  <ds:schemaRefs>
-    <ds:schemaRef ds:uri="Microsoft.SharePoint.Taxonomy.ContentTypeSync"/>
-  </ds:schemaRefs>
-</ds:datastoreItem>
-</file>
-
-<file path=customXml/itemProps3.xml><?xml version="1.0" encoding="utf-8"?>
 <ds:datastoreItem xmlns:ds="http://schemas.openxmlformats.org/officeDocument/2006/customXml" ds:itemID="{37FEB120-BD84-438C-996D-F30CC35FCC83}">
   <ds:schemaRefs>
     <ds:schemaRef ds:uri="http://schemas.microsoft.com/office/2006/metadata/contentType"/>
@@ -4652,16 +4669,18 @@
 </ds:datastoreItem>
 </file>
 
+<file path=customXml/itemProps3.xml><?xml version="1.0" encoding="utf-8"?>
+<ds:datastoreItem xmlns:ds="http://schemas.openxmlformats.org/officeDocument/2006/customXml" ds:itemID="{ED1772FC-240F-499D-9571-C5D55FD39FC1}">
+  <ds:schemaRefs>
+    <ds:schemaRef ds:uri="Microsoft.SharePoint.Taxonomy.ContentTypeSync"/>
+  </ds:schemaRefs>
+</ds:datastoreItem>
+</file>
+
 <file path=customXml/itemProps4.xml><?xml version="1.0" encoding="utf-8"?>
-<ds:datastoreItem xmlns:ds="http://schemas.openxmlformats.org/officeDocument/2006/customXml" ds:itemID="{B2F5B826-42C8-4685-88CC-06855AFB5F07}">
+<ds:datastoreItem xmlns:ds="http://schemas.openxmlformats.org/officeDocument/2006/customXml" ds:itemID="{731D67C3-C52A-4209-9F5F-95FA0FA59B3D}">
   <ds:schemaRefs>
-    <ds:schemaRef ds:uri="http://schemas.microsoft.com/office/2006/metadata/properties"/>
-    <ds:schemaRef ds:uri="http://schemas.microsoft.com/office/infopath/2007/PartnerControls"/>
-    <ds:schemaRef ds:uri="http://schemas.microsoft.com/sharepoint/v3/fields"/>
-    <ds:schemaRef ds:uri="http://schemas.microsoft.com/sharepoint/v3"/>
-    <ds:schemaRef ds:uri="4ffa91fb-a0ff-4ac5-b2db-65c790d184a4"/>
-    <ds:schemaRef ds:uri="ec061f95-30ec-4d0d-8ad6-dd1b804a05b6"/>
-    <ds:schemaRef ds:uri="http://schemas.microsoft.com/sharepoint.v3"/>
+    <ds:schemaRef ds:uri="http://schemas.microsoft.com/sharepoint/v3/contenttype/forms"/>
   </ds:schemaRefs>
 </ds:datastoreItem>
 </file>